--- a/PowerPoints/Threading & Multiprocessing.pptx
+++ b/PowerPoints/Threading & Multiprocessing.pptx
@@ -20033,8 +20033,16 @@
           </a:p>
           <a:p>
             <a:r>
+              <a:rPr lang="en-US" dirty="0">
+                <a:solidFill>
+                  <a:srgbClr val="FF0000"/>
+                </a:solidFill>
+              </a:rPr>
+              <a:t>Examples: </a:t>
+            </a:r>
+            <a:r>
               <a:rPr lang="en-US" dirty="0"/>
-              <a:t>Examples: reading from files, downloading things online, networking requests, waiting for the completion of tasks.</a:t>
+              <a:t>reading from files, downloading things online, networking requests, waiting for the completion of tasks.</a:t>
             </a:r>
           </a:p>
           <a:p>
@@ -20052,8 +20060,16 @@
           </a:p>
           <a:p>
             <a:r>
+              <a:rPr lang="en-US" dirty="0">
+                <a:solidFill>
+                  <a:srgbClr val="FF0000"/>
+                </a:solidFill>
+              </a:rPr>
+              <a:t>Examples: </a:t>
+            </a:r>
+            <a:r>
               <a:rPr lang="en-US" dirty="0"/>
-              <a:t>Examples: Heavy computation, Processing Images/Video, Machine Learning, Bitcoin Mining</a:t>
+              <a:t>Heavy computation, Processing Images/Video, Machine Learning, Bitcoin Mining</a:t>
             </a:r>
           </a:p>
         </p:txBody>
@@ -22066,15 +22082,7 @@
           <a:p>
             <a:r>
               <a:rPr lang="en-US" dirty="0"/>
-              <a:t>When a CPU executes multiple processes at the same time among its multiple </a:t>
-            </a:r>
-            <a:r>
-              <a:rPr lang="en-US" dirty="0" err="1"/>
-              <a:t>cors</a:t>
-            </a:r>
-            <a:r>
-              <a:rPr lang="en-US" dirty="0"/>
-              <a:t>.  This is referred to as </a:t>
+              <a:t>When a CPU executes multiple processes at the same time among its multiple cores.  This is referred to as </a:t>
             </a:r>
             <a:r>
               <a:rPr lang="en-US" sz="3600" b="1" dirty="0"/>
@@ -22341,7 +22349,7 @@
           <a:p>
             <a:r>
               <a:rPr lang="en-US" dirty="0"/>
-              <a:t>When a CPU Cor executes multiple threads independently by switching back and forth between each other.  This is referred to as </a:t>
+              <a:t>When a CPU core executes multiple threads independently by switching back and forth between each other.  This is referred to as </a:t>
             </a:r>
             <a:r>
               <a:rPr lang="en-US" sz="3600" b="1" dirty="0"/>
